--- a/REACT-REDUX.pptx
+++ b/REACT-REDUX.pptx
@@ -5,37 +5,36 @@
     <p:sldMasterId id="2147483658" r:id="rId1"/>
   </p:sldMasterIdLst>
   <p:notesMasterIdLst>
-    <p:notesMasterId r:id="rId22"/>
+    <p:notesMasterId r:id="rId21"/>
   </p:notesMasterIdLst>
   <p:sldIdLst>
     <p:sldId id="256" r:id="rId2"/>
     <p:sldId id="259" r:id="rId3"/>
-    <p:sldId id="260" r:id="rId4"/>
-    <p:sldId id="261" r:id="rId5"/>
-    <p:sldId id="262" r:id="rId6"/>
-    <p:sldId id="295" r:id="rId7"/>
-    <p:sldId id="296" r:id="rId8"/>
-    <p:sldId id="297" r:id="rId9"/>
-    <p:sldId id="298" r:id="rId10"/>
-    <p:sldId id="299" r:id="rId11"/>
-    <p:sldId id="300" r:id="rId12"/>
-    <p:sldId id="301" r:id="rId13"/>
-    <p:sldId id="302" r:id="rId14"/>
-    <p:sldId id="303" r:id="rId15"/>
-    <p:sldId id="304" r:id="rId16"/>
-    <p:sldId id="305" r:id="rId17"/>
-    <p:sldId id="306" r:id="rId18"/>
-    <p:sldId id="307" r:id="rId19"/>
-    <p:sldId id="308" r:id="rId20"/>
-    <p:sldId id="309" r:id="rId21"/>
+    <p:sldId id="261" r:id="rId4"/>
+    <p:sldId id="262" r:id="rId5"/>
+    <p:sldId id="295" r:id="rId6"/>
+    <p:sldId id="296" r:id="rId7"/>
+    <p:sldId id="297" r:id="rId8"/>
+    <p:sldId id="298" r:id="rId9"/>
+    <p:sldId id="299" r:id="rId10"/>
+    <p:sldId id="300" r:id="rId11"/>
+    <p:sldId id="301" r:id="rId12"/>
+    <p:sldId id="302" r:id="rId13"/>
+    <p:sldId id="303" r:id="rId14"/>
+    <p:sldId id="304" r:id="rId15"/>
+    <p:sldId id="305" r:id="rId16"/>
+    <p:sldId id="306" r:id="rId17"/>
+    <p:sldId id="307" r:id="rId18"/>
+    <p:sldId id="308" r:id="rId19"/>
+    <p:sldId id="309" r:id="rId20"/>
   </p:sldIdLst>
   <p:sldSz cx="9144000" cy="5143500" type="screen16x9"/>
   <p:notesSz cx="6858000" cy="9144000"/>
   <p:embeddedFontLst>
     <p:embeddedFont>
       <p:font typeface="Quicksand" panose="020B0604020202020204" charset="0"/>
-      <p:regular r:id="rId23"/>
-      <p:bold r:id="rId24"/>
+      <p:regular r:id="rId22"/>
+      <p:bold r:id="rId23"/>
     </p:embeddedFont>
   </p:embeddedFontLst>
   <p:defaultTextStyle>
@@ -267,6 +266,11 @@
       </a:defRPr>
     </a:lvl9pPr>
   </p:defaultTextStyle>
+  <p:extLst>
+    <p:ext uri="{EFAFB233-063F-42B5-8137-9DF3F51BA10A}">
+      <p15:sldGuideLst xmlns:p15="http://schemas.microsoft.com/office/powerpoint/2012/main"/>
+    </p:ext>
+  </p:extLst>
 </p:presentation>
 </file>
 
@@ -1150,7 +1154,7 @@
       <dgm:spPr/>
     </dgm:pt>
     <dgm:pt modelId="{4C7A4F3F-9292-45C1-B149-2FBE69442E84}" type="pres">
-      <dgm:prSet presAssocID="{868F877F-130C-4440-81BB-027C2DF7C0D4}" presName="textNode" presStyleLbl="node1" presStyleIdx="0" presStyleCnt="3">
+      <dgm:prSet presAssocID="{868F877F-130C-4440-81BB-027C2DF7C0D4}" presName="textNode" presStyleLbl="node1" presStyleIdx="0" presStyleCnt="3" custLinFactNeighborX="-1080" custLinFactNeighborY="-5290">
         <dgm:presLayoutVars>
           <dgm:bulletEnabled val="1"/>
         </dgm:presLayoutVars>
@@ -1263,7 +1267,7 @@
       </dsp:nvSpPr>
       <dsp:spPr>
         <a:xfrm>
-          <a:off x="2186" y="841188"/>
+          <a:off x="0" y="781856"/>
           <a:ext cx="1922579" cy="1121584"/>
         </a:xfrm>
         <a:prstGeom prst="roundRect">
@@ -1329,7 +1333,7 @@
         </a:p>
       </dsp:txBody>
       <dsp:txXfrm>
-        <a:off x="56937" y="895939"/>
+        <a:off x="54751" y="836607"/>
         <a:ext cx="1813077" cy="1012082"/>
       </dsp:txXfrm>
     </dsp:sp>
@@ -3333,110 +3337,6 @@
   <p:cSld>
     <p:spTree>
       <p:nvGrpSpPr>
-        <p:cNvPr id="1" name="Shape 98"/>
-        <p:cNvGrpSpPr/>
-        <p:nvPr/>
-      </p:nvGrpSpPr>
-      <p:grpSpPr>
-        <a:xfrm>
-          <a:off x="0" y="0"/>
-          <a:ext cx="0" cy="0"/>
-          <a:chOff x="0" y="0"/>
-          <a:chExt cx="0" cy="0"/>
-        </a:xfrm>
-      </p:grpSpPr>
-      <p:sp>
-        <p:nvSpPr>
-          <p:cNvPr id="99" name="Google Shape;99;g35f391192_09:notes"/>
-          <p:cNvSpPr>
-            <a:spLocks noGrp="1" noRot="1" noChangeAspect="1"/>
-          </p:cNvSpPr>
-          <p:nvPr>
-            <p:ph type="sldImg" idx="2"/>
-          </p:nvPr>
-        </p:nvSpPr>
-        <p:spPr>
-          <a:xfrm>
-            <a:off x="381000" y="685800"/>
-            <a:ext cx="6096000" cy="3429000"/>
-          </a:xfrm>
-          <a:custGeom>
-            <a:avLst/>
-            <a:gdLst/>
-            <a:ahLst/>
-            <a:cxnLst/>
-            <a:rect l="l" t="t" r="r" b="b"/>
-            <a:pathLst>
-              <a:path w="120000" h="120000" extrusionOk="0">
-                <a:moveTo>
-                  <a:pt x="0" y="0"/>
-                </a:moveTo>
-                <a:lnTo>
-                  <a:pt x="120000" y="0"/>
-                </a:lnTo>
-                <a:lnTo>
-                  <a:pt x="120000" y="120000"/>
-                </a:lnTo>
-                <a:lnTo>
-                  <a:pt x="0" y="120000"/>
-                </a:lnTo>
-                <a:close/>
-              </a:path>
-            </a:pathLst>
-          </a:custGeom>
-        </p:spPr>
-      </p:sp>
-      <p:sp>
-        <p:nvSpPr>
-          <p:cNvPr id="100" name="Google Shape;100;g35f391192_09:notes"/>
-          <p:cNvSpPr txBox="1">
-            <a:spLocks noGrp="1"/>
-          </p:cNvSpPr>
-          <p:nvPr>
-            <p:ph type="body" idx="1"/>
-          </p:nvPr>
-        </p:nvSpPr>
-        <p:spPr>
-          <a:xfrm>
-            <a:off x="685800" y="4343400"/>
-            <a:ext cx="5486400" cy="4114800"/>
-          </a:xfrm>
-          <a:prstGeom prst="rect">
-            <a:avLst/>
-          </a:prstGeom>
-        </p:spPr>
-        <p:txBody>
-          <a:bodyPr spcFirstLastPara="1" wrap="square" lIns="91425" tIns="91425" rIns="91425" bIns="91425" anchor="t" anchorCtr="0">
-            <a:noAutofit/>
-          </a:bodyPr>
-          <a:lstStyle/>
-          <a:p>
-            <a:pPr marL="0" lvl="0" indent="0" algn="l" rtl="0">
-              <a:spcBef>
-                <a:spcPts val="0"/>
-              </a:spcBef>
-              <a:spcAft>
-                <a:spcPts val="0"/>
-              </a:spcAft>
-              <a:buNone/>
-            </a:pPr>
-            <a:endParaRPr/>
-          </a:p>
-        </p:txBody>
-      </p:sp>
-    </p:spTree>
-  </p:cSld>
-  <p:clrMapOvr>
-    <a:masterClrMapping/>
-  </p:clrMapOvr>
-</p:notes>
-</file>
-
-<file path=ppt/notesSlides/notesSlide4.xml><?xml version="1.0" encoding="utf-8"?>
-<p:notes xmlns:a="http://schemas.openxmlformats.org/drawingml/2006/main" xmlns:r="http://schemas.openxmlformats.org/officeDocument/2006/relationships" xmlns:p="http://schemas.openxmlformats.org/presentationml/2006/main" showMasterSp="0" showMasterPhAnim="0">
-  <p:cSld>
-    <p:spTree>
-      <p:nvGrpSpPr>
         <p:cNvPr id="1" name="Shape 104"/>
         <p:cNvGrpSpPr/>
         <p:nvPr/>
@@ -3493,6 +3393,110 @@
       <p:sp>
         <p:nvSpPr>
           <p:cNvPr id="106" name="Google Shape;106;p:notes"/>
+          <p:cNvSpPr txBox="1">
+            <a:spLocks noGrp="1"/>
+          </p:cNvSpPr>
+          <p:nvPr>
+            <p:ph type="body" idx="1"/>
+          </p:nvPr>
+        </p:nvSpPr>
+        <p:spPr>
+          <a:xfrm>
+            <a:off x="685800" y="4343400"/>
+            <a:ext cx="5486400" cy="4114800"/>
+          </a:xfrm>
+          <a:prstGeom prst="rect">
+            <a:avLst/>
+          </a:prstGeom>
+        </p:spPr>
+        <p:txBody>
+          <a:bodyPr spcFirstLastPara="1" wrap="square" lIns="91425" tIns="91425" rIns="91425" bIns="91425" anchor="t" anchorCtr="0">
+            <a:noAutofit/>
+          </a:bodyPr>
+          <a:lstStyle/>
+          <a:p>
+            <a:pPr marL="0" lvl="0" indent="0" algn="l" rtl="0">
+              <a:spcBef>
+                <a:spcPts val="0"/>
+              </a:spcBef>
+              <a:spcAft>
+                <a:spcPts val="0"/>
+              </a:spcAft>
+              <a:buNone/>
+            </a:pPr>
+            <a:endParaRPr/>
+          </a:p>
+        </p:txBody>
+      </p:sp>
+    </p:spTree>
+  </p:cSld>
+  <p:clrMapOvr>
+    <a:masterClrMapping/>
+  </p:clrMapOvr>
+</p:notes>
+</file>
+
+<file path=ppt/notesSlides/notesSlide4.xml><?xml version="1.0" encoding="utf-8"?>
+<p:notes xmlns:a="http://schemas.openxmlformats.org/drawingml/2006/main" xmlns:r="http://schemas.openxmlformats.org/officeDocument/2006/relationships" xmlns:p="http://schemas.openxmlformats.org/presentationml/2006/main" showMasterSp="0" showMasterPhAnim="0">
+  <p:cSld>
+    <p:spTree>
+      <p:nvGrpSpPr>
+        <p:cNvPr id="1" name="Shape 111"/>
+        <p:cNvGrpSpPr/>
+        <p:nvPr/>
+      </p:nvGrpSpPr>
+      <p:grpSpPr>
+        <a:xfrm>
+          <a:off x="0" y="0"/>
+          <a:ext cx="0" cy="0"/>
+          <a:chOff x="0" y="0"/>
+          <a:chExt cx="0" cy="0"/>
+        </a:xfrm>
+      </p:grpSpPr>
+      <p:sp>
+        <p:nvSpPr>
+          <p:cNvPr id="112" name="Google Shape;112;g35ed75ccf_015:notes"/>
+          <p:cNvSpPr>
+            <a:spLocks noGrp="1" noRot="1" noChangeAspect="1"/>
+          </p:cNvSpPr>
+          <p:nvPr>
+            <p:ph type="sldImg" idx="2"/>
+          </p:nvPr>
+        </p:nvSpPr>
+        <p:spPr>
+          <a:xfrm>
+            <a:off x="381000" y="685800"/>
+            <a:ext cx="6096000" cy="3429000"/>
+          </a:xfrm>
+          <a:custGeom>
+            <a:avLst/>
+            <a:gdLst/>
+            <a:ahLst/>
+            <a:cxnLst/>
+            <a:rect l="l" t="t" r="r" b="b"/>
+            <a:pathLst>
+              <a:path w="120000" h="120000" extrusionOk="0">
+                <a:moveTo>
+                  <a:pt x="0" y="0"/>
+                </a:moveTo>
+                <a:lnTo>
+                  <a:pt x="120000" y="0"/>
+                </a:lnTo>
+                <a:lnTo>
+                  <a:pt x="120000" y="120000"/>
+                </a:lnTo>
+                <a:lnTo>
+                  <a:pt x="0" y="120000"/>
+                </a:lnTo>
+                <a:close/>
+              </a:path>
+            </a:pathLst>
+          </a:custGeom>
+        </p:spPr>
+      </p:sp>
+      <p:sp>
+        <p:nvSpPr>
+          <p:cNvPr id="113" name="Google Shape;113;g35ed75ccf_015:notes"/>
           <p:cNvSpPr txBox="1">
             <a:spLocks noGrp="1"/>
           </p:cNvSpPr>
@@ -3633,6 +3637,11 @@
         </p:txBody>
       </p:sp>
     </p:spTree>
+    <p:extLst>
+      <p:ext uri="{BB962C8B-B14F-4D97-AF65-F5344CB8AC3E}">
+        <p14:creationId xmlns:p14="http://schemas.microsoft.com/office/powerpoint/2010/main" val="2101934074"/>
+      </p:ext>
+    </p:extLst>
   </p:cSld>
   <p:clrMapOvr>
     <a:masterClrMapping/>
@@ -3739,7 +3748,7 @@
     </p:spTree>
     <p:extLst>
       <p:ext uri="{BB962C8B-B14F-4D97-AF65-F5344CB8AC3E}">
-        <p14:creationId xmlns:p14="http://schemas.microsoft.com/office/powerpoint/2010/main" val="2101934074"/>
+        <p14:creationId xmlns:p14="http://schemas.microsoft.com/office/powerpoint/2010/main" val="2676433710"/>
       </p:ext>
     </p:extLst>
   </p:cSld>
@@ -3848,115 +3857,6 @@
     </p:spTree>
     <p:extLst>
       <p:ext uri="{BB962C8B-B14F-4D97-AF65-F5344CB8AC3E}">
-        <p14:creationId xmlns:p14="http://schemas.microsoft.com/office/powerpoint/2010/main" val="2676433710"/>
-      </p:ext>
-    </p:extLst>
-  </p:cSld>
-  <p:clrMapOvr>
-    <a:masterClrMapping/>
-  </p:clrMapOvr>
-</p:notes>
-</file>
-
-<file path=ppt/notesSlides/notesSlide8.xml><?xml version="1.0" encoding="utf-8"?>
-<p:notes xmlns:a="http://schemas.openxmlformats.org/drawingml/2006/main" xmlns:r="http://schemas.openxmlformats.org/officeDocument/2006/relationships" xmlns:p="http://schemas.openxmlformats.org/presentationml/2006/main" showMasterSp="0" showMasterPhAnim="0">
-  <p:cSld>
-    <p:spTree>
-      <p:nvGrpSpPr>
-        <p:cNvPr id="1" name="Shape 111"/>
-        <p:cNvGrpSpPr/>
-        <p:nvPr/>
-      </p:nvGrpSpPr>
-      <p:grpSpPr>
-        <a:xfrm>
-          <a:off x="0" y="0"/>
-          <a:ext cx="0" cy="0"/>
-          <a:chOff x="0" y="0"/>
-          <a:chExt cx="0" cy="0"/>
-        </a:xfrm>
-      </p:grpSpPr>
-      <p:sp>
-        <p:nvSpPr>
-          <p:cNvPr id="112" name="Google Shape;112;g35ed75ccf_015:notes"/>
-          <p:cNvSpPr>
-            <a:spLocks noGrp="1" noRot="1" noChangeAspect="1"/>
-          </p:cNvSpPr>
-          <p:nvPr>
-            <p:ph type="sldImg" idx="2"/>
-          </p:nvPr>
-        </p:nvSpPr>
-        <p:spPr>
-          <a:xfrm>
-            <a:off x="381000" y="685800"/>
-            <a:ext cx="6096000" cy="3429000"/>
-          </a:xfrm>
-          <a:custGeom>
-            <a:avLst/>
-            <a:gdLst/>
-            <a:ahLst/>
-            <a:cxnLst/>
-            <a:rect l="l" t="t" r="r" b="b"/>
-            <a:pathLst>
-              <a:path w="120000" h="120000" extrusionOk="0">
-                <a:moveTo>
-                  <a:pt x="0" y="0"/>
-                </a:moveTo>
-                <a:lnTo>
-                  <a:pt x="120000" y="0"/>
-                </a:lnTo>
-                <a:lnTo>
-                  <a:pt x="120000" y="120000"/>
-                </a:lnTo>
-                <a:lnTo>
-                  <a:pt x="0" y="120000"/>
-                </a:lnTo>
-                <a:close/>
-              </a:path>
-            </a:pathLst>
-          </a:custGeom>
-        </p:spPr>
-      </p:sp>
-      <p:sp>
-        <p:nvSpPr>
-          <p:cNvPr id="113" name="Google Shape;113;g35ed75ccf_015:notes"/>
-          <p:cNvSpPr txBox="1">
-            <a:spLocks noGrp="1"/>
-          </p:cNvSpPr>
-          <p:nvPr>
-            <p:ph type="body" idx="1"/>
-          </p:nvPr>
-        </p:nvSpPr>
-        <p:spPr>
-          <a:xfrm>
-            <a:off x="685800" y="4343400"/>
-            <a:ext cx="5486400" cy="4114800"/>
-          </a:xfrm>
-          <a:prstGeom prst="rect">
-            <a:avLst/>
-          </a:prstGeom>
-        </p:spPr>
-        <p:txBody>
-          <a:bodyPr spcFirstLastPara="1" wrap="square" lIns="91425" tIns="91425" rIns="91425" bIns="91425" anchor="t" anchorCtr="0">
-            <a:noAutofit/>
-          </a:bodyPr>
-          <a:lstStyle/>
-          <a:p>
-            <a:pPr marL="0" lvl="0" indent="0" algn="l" rtl="0">
-              <a:spcBef>
-                <a:spcPts val="0"/>
-              </a:spcBef>
-              <a:spcAft>
-                <a:spcPts val="0"/>
-              </a:spcAft>
-              <a:buNone/>
-            </a:pPr>
-            <a:endParaRPr/>
-          </a:p>
-        </p:txBody>
-      </p:sp>
-    </p:spTree>
-    <p:extLst>
-      <p:ext uri="{BB962C8B-B14F-4D97-AF65-F5344CB8AC3E}">
         <p14:creationId xmlns:p14="http://schemas.microsoft.com/office/powerpoint/2010/main" val="622114033"/>
       </p:ext>
     </p:extLst>
@@ -4192,6 +4092,9 @@
   <p:clrMapOvr>
     <a:masterClrMapping/>
   </p:clrMapOvr>
+  <p:transition spd="slow">
+    <p:push dir="u"/>
+  </p:transition>
 </p:sldLayout>
 </file>
 
@@ -4626,463 +4529,13 @@
   <p:clrMapOvr>
     <a:masterClrMapping/>
   </p:clrMapOvr>
+  <p:transition spd="slow">
+    <p:push dir="u"/>
+  </p:transition>
 </p:sldLayout>
 </file>
 
 <file path=ppt/slideLayouts/slideLayout3.xml><?xml version="1.0" encoding="utf-8"?>
-<p:sldLayout xmlns:a="http://schemas.openxmlformats.org/drawingml/2006/main" xmlns:r="http://schemas.openxmlformats.org/officeDocument/2006/relationships" xmlns:p="http://schemas.openxmlformats.org/presentationml/2006/main" matchingName="Quote">
-  <p:cSld name="TITLE_1_1">
-    <p:spTree>
-      <p:nvGrpSpPr>
-        <p:cNvPr id="1" name="Shape 19"/>
-        <p:cNvGrpSpPr/>
-        <p:nvPr/>
-      </p:nvGrpSpPr>
-      <p:grpSpPr>
-        <a:xfrm>
-          <a:off x="0" y="0"/>
-          <a:ext cx="0" cy="0"/>
-          <a:chOff x="0" y="0"/>
-          <a:chExt cx="0" cy="0"/>
-        </a:xfrm>
-      </p:grpSpPr>
-      <p:cxnSp>
-        <p:nvCxnSpPr>
-          <p:cNvPr id="20" name="Google Shape;20;p4"/>
-          <p:cNvCxnSpPr/>
-          <p:nvPr/>
-        </p:nvCxnSpPr>
-        <p:spPr>
-          <a:xfrm>
-            <a:off x="945630" y="0"/>
-            <a:ext cx="0" cy="5143500"/>
-          </a:xfrm>
-          <a:prstGeom prst="straightConnector1">
-            <a:avLst/>
-          </a:prstGeom>
-          <a:noFill/>
-          <a:ln w="9525" cap="flat" cmpd="sng">
-            <a:solidFill>
-              <a:schemeClr val="accent5"/>
-            </a:solidFill>
-            <a:prstDash val="solid"/>
-            <a:round/>
-            <a:headEnd type="none" w="med" len="med"/>
-            <a:tailEnd type="none" w="med" len="med"/>
-          </a:ln>
-        </p:spPr>
-      </p:cxnSp>
-      <p:sp>
-        <p:nvSpPr>
-          <p:cNvPr id="21" name="Google Shape;21;p4"/>
-          <p:cNvSpPr/>
-          <p:nvPr/>
-        </p:nvSpPr>
-        <p:spPr>
-          <a:xfrm>
-            <a:off x="638325" y="2267417"/>
-            <a:ext cx="614400" cy="614400"/>
-          </a:xfrm>
-          <a:prstGeom prst="ellipse">
-            <a:avLst/>
-          </a:prstGeom>
-          <a:solidFill>
-            <a:srgbClr val="2E3037"/>
-          </a:solidFill>
-          <a:ln w="9525" cap="flat" cmpd="sng">
-            <a:solidFill>
-              <a:schemeClr val="accent5"/>
-            </a:solidFill>
-            <a:prstDash val="solid"/>
-            <a:round/>
-            <a:headEnd type="none" w="sm" len="sm"/>
-            <a:tailEnd type="none" w="sm" len="sm"/>
-          </a:ln>
-        </p:spPr>
-        <p:txBody>
-          <a:bodyPr spcFirstLastPara="1" wrap="square" lIns="91425" tIns="91425" rIns="91425" bIns="91425" anchor="ctr" anchorCtr="0">
-            <a:noAutofit/>
-          </a:bodyPr>
-          <a:lstStyle/>
-          <a:p>
-            <a:pPr marL="0" lvl="0" indent="0" algn="l" rtl="0">
-              <a:spcBef>
-                <a:spcPts val="0"/>
-              </a:spcBef>
-              <a:spcAft>
-                <a:spcPts val="0"/>
-              </a:spcAft>
-              <a:buNone/>
-            </a:pPr>
-            <a:endParaRPr/>
-          </a:p>
-        </p:txBody>
-      </p:sp>
-      <p:sp>
-        <p:nvSpPr>
-          <p:cNvPr id="22" name="Google Shape;22;p4"/>
-          <p:cNvSpPr txBox="1">
-            <a:spLocks noGrp="1"/>
-          </p:cNvSpPr>
-          <p:nvPr>
-            <p:ph type="body" idx="1"/>
-          </p:nvPr>
-        </p:nvSpPr>
-        <p:spPr>
-          <a:xfrm>
-            <a:off x="1633225" y="2161800"/>
-            <a:ext cx="6700500" cy="819900"/>
-          </a:xfrm>
-          <a:prstGeom prst="rect">
-            <a:avLst/>
-          </a:prstGeom>
-        </p:spPr>
-        <p:txBody>
-          <a:bodyPr spcFirstLastPara="1" wrap="square" lIns="91425" tIns="91425" rIns="91425" bIns="91425" anchor="ctr" anchorCtr="0">
-            <a:noAutofit/>
-          </a:bodyPr>
-          <a:lstStyle>
-            <a:lvl1pPr marL="457200" lvl="0" indent="-406400" rtl="0">
-              <a:spcBef>
-                <a:spcPts val="600"/>
-              </a:spcBef>
-              <a:spcAft>
-                <a:spcPts val="0"/>
-              </a:spcAft>
-              <a:buSzPts val="2800"/>
-              <a:buChar char="◦"/>
-              <a:defRPr sz="2800" i="1">
-                <a:solidFill>
-                  <a:schemeClr val="accent1"/>
-                </a:solidFill>
-              </a:defRPr>
-            </a:lvl1pPr>
-            <a:lvl2pPr marL="914400" lvl="1" indent="-406400" rtl="0">
-              <a:spcBef>
-                <a:spcPts val="0"/>
-              </a:spcBef>
-              <a:spcAft>
-                <a:spcPts val="0"/>
-              </a:spcAft>
-              <a:buSzPts val="2800"/>
-              <a:buChar char="▫"/>
-              <a:defRPr sz="2800" i="1">
-                <a:solidFill>
-                  <a:schemeClr val="accent1"/>
-                </a:solidFill>
-              </a:defRPr>
-            </a:lvl2pPr>
-            <a:lvl3pPr marL="1371600" lvl="2" indent="-406400" rtl="0">
-              <a:spcBef>
-                <a:spcPts val="0"/>
-              </a:spcBef>
-              <a:spcAft>
-                <a:spcPts val="0"/>
-              </a:spcAft>
-              <a:buSzPts val="2800"/>
-              <a:buChar char="■"/>
-              <a:defRPr sz="2800" i="1">
-                <a:solidFill>
-                  <a:schemeClr val="accent1"/>
-                </a:solidFill>
-              </a:defRPr>
-            </a:lvl3pPr>
-            <a:lvl4pPr marL="1828800" lvl="3" indent="-406400" rtl="0">
-              <a:spcBef>
-                <a:spcPts val="0"/>
-              </a:spcBef>
-              <a:spcAft>
-                <a:spcPts val="0"/>
-              </a:spcAft>
-              <a:buClr>
-                <a:schemeClr val="accent1"/>
-              </a:buClr>
-              <a:buSzPts val="2800"/>
-              <a:buChar char="●"/>
-              <a:defRPr sz="2800" i="1">
-                <a:solidFill>
-                  <a:schemeClr val="accent1"/>
-                </a:solidFill>
-              </a:defRPr>
-            </a:lvl4pPr>
-            <a:lvl5pPr marL="2286000" lvl="4" indent="-406400" rtl="0">
-              <a:spcBef>
-                <a:spcPts val="0"/>
-              </a:spcBef>
-              <a:spcAft>
-                <a:spcPts val="0"/>
-              </a:spcAft>
-              <a:buClr>
-                <a:schemeClr val="accent1"/>
-              </a:buClr>
-              <a:buSzPts val="2800"/>
-              <a:buChar char="○"/>
-              <a:defRPr sz="2800" i="1">
-                <a:solidFill>
-                  <a:schemeClr val="accent1"/>
-                </a:solidFill>
-              </a:defRPr>
-            </a:lvl5pPr>
-            <a:lvl6pPr marL="2743200" lvl="5" indent="-406400" rtl="0">
-              <a:spcBef>
-                <a:spcPts val="0"/>
-              </a:spcBef>
-              <a:spcAft>
-                <a:spcPts val="0"/>
-              </a:spcAft>
-              <a:buClr>
-                <a:schemeClr val="accent1"/>
-              </a:buClr>
-              <a:buSzPts val="2800"/>
-              <a:buChar char="■"/>
-              <a:defRPr sz="2800" i="1">
-                <a:solidFill>
-                  <a:schemeClr val="accent1"/>
-                </a:solidFill>
-              </a:defRPr>
-            </a:lvl6pPr>
-            <a:lvl7pPr marL="3200400" lvl="6" indent="-406400" rtl="0">
-              <a:spcBef>
-                <a:spcPts val="0"/>
-              </a:spcBef>
-              <a:spcAft>
-                <a:spcPts val="0"/>
-              </a:spcAft>
-              <a:buClr>
-                <a:schemeClr val="accent1"/>
-              </a:buClr>
-              <a:buSzPts val="2800"/>
-              <a:buChar char="●"/>
-              <a:defRPr sz="2800" i="1">
-                <a:solidFill>
-                  <a:schemeClr val="accent1"/>
-                </a:solidFill>
-              </a:defRPr>
-            </a:lvl7pPr>
-            <a:lvl8pPr marL="3657600" lvl="7" indent="-406400" rtl="0">
-              <a:spcBef>
-                <a:spcPts val="0"/>
-              </a:spcBef>
-              <a:spcAft>
-                <a:spcPts val="0"/>
-              </a:spcAft>
-              <a:buClr>
-                <a:schemeClr val="accent1"/>
-              </a:buClr>
-              <a:buSzPts val="2800"/>
-              <a:buChar char="○"/>
-              <a:defRPr sz="2800" i="1">
-                <a:solidFill>
-                  <a:schemeClr val="accent1"/>
-                </a:solidFill>
-              </a:defRPr>
-            </a:lvl8pPr>
-            <a:lvl9pPr marL="4114800" lvl="8" indent="-406400">
-              <a:spcBef>
-                <a:spcPts val="0"/>
-              </a:spcBef>
-              <a:spcAft>
-                <a:spcPts val="0"/>
-              </a:spcAft>
-              <a:buClr>
-                <a:schemeClr val="accent1"/>
-              </a:buClr>
-              <a:buSzPts val="2800"/>
-              <a:buChar char="■"/>
-              <a:defRPr sz="2800" i="1">
-                <a:solidFill>
-                  <a:schemeClr val="accent1"/>
-                </a:solidFill>
-              </a:defRPr>
-            </a:lvl9pPr>
-          </a:lstStyle>
-          <a:p>
-            <a:endParaRPr/>
-          </a:p>
-        </p:txBody>
-      </p:sp>
-      <p:sp>
-        <p:nvSpPr>
-          <p:cNvPr id="23" name="Google Shape;23;p4"/>
-          <p:cNvSpPr txBox="1"/>
-          <p:nvPr/>
-        </p:nvSpPr>
-        <p:spPr>
-          <a:xfrm>
-            <a:off x="286541" y="2244031"/>
-            <a:ext cx="1306200" cy="653700"/>
-          </a:xfrm>
-          <a:prstGeom prst="rect">
-            <a:avLst/>
-          </a:prstGeom>
-          <a:noFill/>
-          <a:ln>
-            <a:noFill/>
-          </a:ln>
-        </p:spPr>
-        <p:txBody>
-          <a:bodyPr spcFirstLastPara="1" wrap="square" lIns="91425" tIns="91425" rIns="91425" bIns="91425" anchor="t" anchorCtr="0">
-            <a:noAutofit/>
-          </a:bodyPr>
-          <a:lstStyle/>
-          <a:p>
-            <a:pPr marL="0" lvl="0" indent="0" algn="ctr" rtl="0">
-              <a:spcBef>
-                <a:spcPts val="0"/>
-              </a:spcBef>
-              <a:spcAft>
-                <a:spcPts val="0"/>
-              </a:spcAft>
-              <a:buNone/>
-            </a:pPr>
-            <a:r>
-              <a:rPr lang="en" sz="4800" b="1">
-                <a:solidFill>
-                  <a:schemeClr val="accent1"/>
-                </a:solidFill>
-                <a:latin typeface="Quicksand"/>
-                <a:ea typeface="Quicksand"/>
-                <a:cs typeface="Quicksand"/>
-                <a:sym typeface="Quicksand"/>
-              </a:rPr>
-              <a:t>“</a:t>
-            </a:r>
-            <a:endParaRPr sz="4800" b="1">
-              <a:solidFill>
-                <a:schemeClr val="accent1"/>
-              </a:solidFill>
-              <a:latin typeface="Quicksand"/>
-              <a:ea typeface="Quicksand"/>
-              <a:cs typeface="Quicksand"/>
-              <a:sym typeface="Quicksand"/>
-            </a:endParaRPr>
-          </a:p>
-        </p:txBody>
-      </p:sp>
-      <p:sp>
-        <p:nvSpPr>
-          <p:cNvPr id="24" name="Google Shape;24;p4"/>
-          <p:cNvSpPr txBox="1">
-            <a:spLocks noGrp="1"/>
-          </p:cNvSpPr>
-          <p:nvPr>
-            <p:ph type="sldNum" idx="12"/>
-          </p:nvPr>
-        </p:nvSpPr>
-        <p:spPr>
-          <a:xfrm>
-            <a:off x="8523157" y="4752131"/>
-            <a:ext cx="548700" cy="315300"/>
-          </a:xfrm>
-          <a:prstGeom prst="rect">
-            <a:avLst/>
-          </a:prstGeom>
-        </p:spPr>
-        <p:txBody>
-          <a:bodyPr spcFirstLastPara="1" wrap="square" lIns="91425" tIns="91425" rIns="91425" bIns="91425" anchor="t" anchorCtr="0">
-            <a:noAutofit/>
-          </a:bodyPr>
-          <a:lstStyle>
-            <a:lvl1pPr lvl="0">
-              <a:buNone/>
-              <a:defRPr>
-                <a:solidFill>
-                  <a:srgbClr val="39C0BA"/>
-                </a:solidFill>
-              </a:defRPr>
-            </a:lvl1pPr>
-            <a:lvl2pPr lvl="1">
-              <a:buNone/>
-              <a:defRPr>
-                <a:solidFill>
-                  <a:srgbClr val="39C0BA"/>
-                </a:solidFill>
-              </a:defRPr>
-            </a:lvl2pPr>
-            <a:lvl3pPr lvl="2">
-              <a:buNone/>
-              <a:defRPr>
-                <a:solidFill>
-                  <a:srgbClr val="39C0BA"/>
-                </a:solidFill>
-              </a:defRPr>
-            </a:lvl3pPr>
-            <a:lvl4pPr lvl="3">
-              <a:buNone/>
-              <a:defRPr>
-                <a:solidFill>
-                  <a:srgbClr val="39C0BA"/>
-                </a:solidFill>
-              </a:defRPr>
-            </a:lvl4pPr>
-            <a:lvl5pPr lvl="4">
-              <a:buNone/>
-              <a:defRPr>
-                <a:solidFill>
-                  <a:srgbClr val="39C0BA"/>
-                </a:solidFill>
-              </a:defRPr>
-            </a:lvl5pPr>
-            <a:lvl6pPr lvl="5">
-              <a:buNone/>
-              <a:defRPr>
-                <a:solidFill>
-                  <a:srgbClr val="39C0BA"/>
-                </a:solidFill>
-              </a:defRPr>
-            </a:lvl6pPr>
-            <a:lvl7pPr lvl="6">
-              <a:buNone/>
-              <a:defRPr>
-                <a:solidFill>
-                  <a:srgbClr val="39C0BA"/>
-                </a:solidFill>
-              </a:defRPr>
-            </a:lvl7pPr>
-            <a:lvl8pPr lvl="7">
-              <a:buNone/>
-              <a:defRPr>
-                <a:solidFill>
-                  <a:srgbClr val="39C0BA"/>
-                </a:solidFill>
-              </a:defRPr>
-            </a:lvl8pPr>
-            <a:lvl9pPr lvl="8">
-              <a:buNone/>
-              <a:defRPr>
-                <a:solidFill>
-                  <a:srgbClr val="39C0BA"/>
-                </a:solidFill>
-              </a:defRPr>
-            </a:lvl9pPr>
-          </a:lstStyle>
-          <a:p>
-            <a:pPr marL="0" lvl="0" indent="0" algn="r" rtl="0">
-              <a:spcBef>
-                <a:spcPts val="0"/>
-              </a:spcBef>
-              <a:spcAft>
-                <a:spcPts val="0"/>
-              </a:spcAft>
-              <a:buNone/>
-            </a:pPr>
-            <a:fld id="{00000000-1234-1234-1234-123412341234}" type="slidenum">
-              <a:rPr lang="en"/>
-              <a:t>‹#›</a:t>
-            </a:fld>
-            <a:endParaRPr/>
-          </a:p>
-        </p:txBody>
-      </p:sp>
-    </p:spTree>
-  </p:cSld>
-  <p:clrMapOvr>
-    <a:masterClrMapping/>
-  </p:clrMapOvr>
-</p:sldLayout>
-</file>
-
-<file path=ppt/slideLayouts/slideLayout4.xml><?xml version="1.0" encoding="utf-8"?>
 <p:sldLayout xmlns:a="http://schemas.openxmlformats.org/drawingml/2006/main" xmlns:r="http://schemas.openxmlformats.org/officeDocument/2006/relationships" xmlns:p="http://schemas.openxmlformats.org/presentationml/2006/main" matchingName="Title + 1 column" type="tx">
   <p:cSld name="TITLE_AND_BODY">
     <p:spTree>
@@ -5721,10 +5174,13 @@
   <p:clrMapOvr>
     <a:masterClrMapping/>
   </p:clrMapOvr>
+  <p:transition spd="slow">
+    <p:push dir="u"/>
+  </p:transition>
 </p:sldLayout>
 </file>
 
-<file path=ppt/slideLayouts/slideLayout5.xml><?xml version="1.0" encoding="utf-8"?>
+<file path=ppt/slideLayouts/slideLayout4.xml><?xml version="1.0" encoding="utf-8"?>
 <p:sldLayout xmlns:a="http://schemas.openxmlformats.org/drawingml/2006/main" xmlns:r="http://schemas.openxmlformats.org/officeDocument/2006/relationships" xmlns:p="http://schemas.openxmlformats.org/presentationml/2006/main" matchingName="Blank" type="blank">
   <p:cSld name="BLANK">
     <p:spTree>
@@ -5897,6 +5353,9 @@
   <p:clrMapOvr>
     <a:masterClrMapping/>
   </p:clrMapOvr>
+  <p:transition spd="slow">
+    <p:push dir="u"/>
+  </p:transition>
 </p:sldLayout>
 </file>
 
@@ -6568,12 +6027,11 @@
   <p:sldLayoutIdLst>
     <p:sldLayoutId id="2147483648" r:id="rId1"/>
     <p:sldLayoutId id="2147483649" r:id="rId2"/>
-    <p:sldLayoutId id="2147483650" r:id="rId3"/>
-    <p:sldLayoutId id="2147483651" r:id="rId4"/>
-    <p:sldLayoutId id="2147483656" r:id="rId5"/>
+    <p:sldLayoutId id="2147483651" r:id="rId3"/>
+    <p:sldLayoutId id="2147483656" r:id="rId4"/>
   </p:sldLayoutIdLst>
-  <p:transition>
-    <p:fade thruBlk="1"/>
+  <p:transition spd="slow">
+    <p:push dir="u"/>
   </p:transition>
   <p:hf hdr="0" ftr="0" dt="0"/>
   <p:txStyles>
@@ -7332,111 +6790,13 @@
   <p:clrMapOvr>
     <a:masterClrMapping/>
   </p:clrMapOvr>
-  <p:transition>
-    <p:fade thruBlk="1"/>
+  <p:transition spd="slow">
+    <p:push dir="u"/>
   </p:transition>
 </p:sld>
 </file>
 
 <file path=ppt/slides/slide10.xml><?xml version="1.0" encoding="utf-8"?>
-<p:sld xmlns:a="http://schemas.openxmlformats.org/drawingml/2006/main" xmlns:r="http://schemas.openxmlformats.org/officeDocument/2006/relationships" xmlns:p="http://schemas.openxmlformats.org/presentationml/2006/main">
-  <p:cSld>
-    <p:spTree>
-      <p:nvGrpSpPr>
-        <p:cNvPr id="1" name=""/>
-        <p:cNvGrpSpPr/>
-        <p:nvPr/>
-      </p:nvGrpSpPr>
-      <p:grpSpPr>
-        <a:xfrm>
-          <a:off x="0" y="0"/>
-          <a:ext cx="0" cy="0"/>
-          <a:chOff x="0" y="0"/>
-          <a:chExt cx="0" cy="0"/>
-        </a:xfrm>
-      </p:grpSpPr>
-      <p:sp>
-        <p:nvSpPr>
-          <p:cNvPr id="2" name="Slide Number Placeholder 1">
-            <a:extLst>
-              <a:ext uri="{FF2B5EF4-FFF2-40B4-BE49-F238E27FC236}">
-                <a16:creationId xmlns:a16="http://schemas.microsoft.com/office/drawing/2014/main" id="{A6FB1E34-486E-49D9-A431-5248489C90A9}"/>
-              </a:ext>
-            </a:extLst>
-          </p:cNvPr>
-          <p:cNvSpPr>
-            <a:spLocks noGrp="1"/>
-          </p:cNvSpPr>
-          <p:nvPr>
-            <p:ph type="sldNum" idx="12"/>
-          </p:nvPr>
-        </p:nvSpPr>
-        <p:spPr/>
-        <p:txBody>
-          <a:bodyPr/>
-          <a:lstStyle/>
-          <a:p>
-            <a:pPr marL="0" lvl="0" indent="0" algn="r" rtl="0">
-              <a:spcBef>
-                <a:spcPts val="0"/>
-              </a:spcBef>
-              <a:spcAft>
-                <a:spcPts val="0"/>
-              </a:spcAft>
-              <a:buNone/>
-            </a:pPr>
-            <a:fld id="{00000000-1234-1234-1234-123412341234}" type="slidenum">
-              <a:rPr lang="en" smtClean="0"/>
-              <a:t>10</a:t>
-            </a:fld>
-            <a:endParaRPr lang="en"/>
-          </a:p>
-        </p:txBody>
-      </p:sp>
-      <p:pic>
-        <p:nvPicPr>
-          <p:cNvPr id="4" name="Picture 3">
-            <a:extLst>
-              <a:ext uri="{FF2B5EF4-FFF2-40B4-BE49-F238E27FC236}">
-                <a16:creationId xmlns:a16="http://schemas.microsoft.com/office/drawing/2014/main" id="{204E3ECF-2071-49D8-BD81-BC54AB8A76F1}"/>
-              </a:ext>
-            </a:extLst>
-          </p:cNvPr>
-          <p:cNvPicPr>
-            <a:picLocks noChangeAspect="1"/>
-          </p:cNvPicPr>
-          <p:nvPr/>
-        </p:nvPicPr>
-        <p:blipFill>
-          <a:blip r:embed="rId2"/>
-          <a:stretch>
-            <a:fillRect/>
-          </a:stretch>
-        </p:blipFill>
-        <p:spPr>
-          <a:xfrm>
-            <a:off x="0" y="0"/>
-            <a:ext cx="9144000" cy="5143500"/>
-          </a:xfrm>
-          <a:prstGeom prst="rect">
-            <a:avLst/>
-          </a:prstGeom>
-        </p:spPr>
-      </p:pic>
-    </p:spTree>
-    <p:extLst>
-      <p:ext uri="{BB962C8B-B14F-4D97-AF65-F5344CB8AC3E}">
-        <p14:creationId xmlns:p14="http://schemas.microsoft.com/office/powerpoint/2010/main" val="3606491644"/>
-      </p:ext>
-    </p:extLst>
-  </p:cSld>
-  <p:clrMapOvr>
-    <a:masterClrMapping/>
-  </p:clrMapOvr>
-</p:sld>
-</file>
-
-<file path=ppt/slides/slide11.xml><?xml version="1.0" encoding="utf-8"?>
 <p:sld xmlns:a="http://schemas.openxmlformats.org/drawingml/2006/main" xmlns:r="http://schemas.openxmlformats.org/officeDocument/2006/relationships" xmlns:p="http://schemas.openxmlformats.org/presentationml/2006/main">
   <p:cSld>
     <p:spTree>
@@ -7485,7 +6845,7 @@
             </a:pPr>
             <a:fld id="{00000000-1234-1234-1234-123412341234}" type="slidenum">
               <a:rPr lang="en" smtClean="0"/>
-              <a:t>11</a:t>
+              <a:t>10</a:t>
             </a:fld>
             <a:endParaRPr lang="en"/>
           </a:p>
@@ -7531,10 +6891,13 @@
   <p:clrMapOvr>
     <a:masterClrMapping/>
   </p:clrMapOvr>
+  <p:transition spd="slow">
+    <p:push dir="u"/>
+  </p:transition>
 </p:sld>
 </file>
 
-<file path=ppt/slides/slide12.xml><?xml version="1.0" encoding="utf-8"?>
+<file path=ppt/slides/slide11.xml><?xml version="1.0" encoding="utf-8"?>
 <p:sld xmlns:a="http://schemas.openxmlformats.org/drawingml/2006/main" xmlns:r="http://schemas.openxmlformats.org/officeDocument/2006/relationships" xmlns:p="http://schemas.openxmlformats.org/presentationml/2006/main">
   <p:cSld>
     <p:spTree>
@@ -7583,7 +6946,7 @@
             </a:pPr>
             <a:fld id="{00000000-1234-1234-1234-123412341234}" type="slidenum">
               <a:rPr lang="en" smtClean="0"/>
-              <a:t>12</a:t>
+              <a:t>11</a:t>
             </a:fld>
             <a:endParaRPr lang="en"/>
           </a:p>
@@ -7629,10 +6992,13 @@
   <p:clrMapOvr>
     <a:masterClrMapping/>
   </p:clrMapOvr>
+  <p:transition spd="slow">
+    <p:push dir="u"/>
+  </p:transition>
 </p:sld>
 </file>
 
-<file path=ppt/slides/slide13.xml><?xml version="1.0" encoding="utf-8"?>
+<file path=ppt/slides/slide12.xml><?xml version="1.0" encoding="utf-8"?>
 <p:sld xmlns:a="http://schemas.openxmlformats.org/drawingml/2006/main" xmlns:r="http://schemas.openxmlformats.org/officeDocument/2006/relationships" xmlns:p="http://schemas.openxmlformats.org/presentationml/2006/main">
   <p:cSld>
     <p:spTree>
@@ -7681,7 +7047,7 @@
             </a:pPr>
             <a:fld id="{00000000-1234-1234-1234-123412341234}" type="slidenum">
               <a:rPr lang="en" smtClean="0"/>
-              <a:t>13</a:t>
+              <a:t>12</a:t>
             </a:fld>
             <a:endParaRPr lang="en"/>
           </a:p>
@@ -7727,10 +7093,13 @@
   <p:clrMapOvr>
     <a:masterClrMapping/>
   </p:clrMapOvr>
+  <p:transition spd="slow">
+    <p:push dir="u"/>
+  </p:transition>
 </p:sld>
 </file>
 
-<file path=ppt/slides/slide14.xml><?xml version="1.0" encoding="utf-8"?>
+<file path=ppt/slides/slide13.xml><?xml version="1.0" encoding="utf-8"?>
 <p:sld xmlns:a="http://schemas.openxmlformats.org/drawingml/2006/main" xmlns:r="http://schemas.openxmlformats.org/officeDocument/2006/relationships" xmlns:p="http://schemas.openxmlformats.org/presentationml/2006/main">
   <p:cSld>
     <p:spTree>
@@ -7779,7 +7148,7 @@
             </a:pPr>
             <a:fld id="{00000000-1234-1234-1234-123412341234}" type="slidenum">
               <a:rPr lang="en" smtClean="0"/>
-              <a:t>14</a:t>
+              <a:t>13</a:t>
             </a:fld>
             <a:endParaRPr lang="en"/>
           </a:p>
@@ -7825,10 +7194,13 @@
   <p:clrMapOvr>
     <a:masterClrMapping/>
   </p:clrMapOvr>
+  <p:transition spd="slow">
+    <p:push dir="u"/>
+  </p:transition>
 </p:sld>
 </file>
 
-<file path=ppt/slides/slide15.xml><?xml version="1.0" encoding="utf-8"?>
+<file path=ppt/slides/slide14.xml><?xml version="1.0" encoding="utf-8"?>
 <p:sld xmlns:a="http://schemas.openxmlformats.org/drawingml/2006/main" xmlns:r="http://schemas.openxmlformats.org/officeDocument/2006/relationships" xmlns:p="http://schemas.openxmlformats.org/presentationml/2006/main">
   <p:cSld>
     <p:spTree>
@@ -8577,7 +7949,7 @@
             </a:pPr>
             <a:fld id="{00000000-1234-1234-1234-123412341234}" type="slidenum">
               <a:rPr lang="en"/>
-              <a:t>15</a:t>
+              <a:t>14</a:t>
             </a:fld>
             <a:endParaRPr/>
           </a:p>
@@ -8593,10 +7965,13 @@
   <p:clrMapOvr>
     <a:masterClrMapping/>
   </p:clrMapOvr>
+  <p:transition spd="slow">
+    <p:push dir="u"/>
+  </p:transition>
 </p:sld>
 </file>
 
-<file path=ppt/slides/slide16.xml><?xml version="1.0" encoding="utf-8"?>
+<file path=ppt/slides/slide15.xml><?xml version="1.0" encoding="utf-8"?>
 <p:sld xmlns:a="http://schemas.openxmlformats.org/drawingml/2006/main" xmlns:r="http://schemas.openxmlformats.org/officeDocument/2006/relationships" xmlns:p="http://schemas.openxmlformats.org/presentationml/2006/main">
   <p:cSld>
     <p:spTree>
@@ -8645,7 +8020,7 @@
             </a:pPr>
             <a:fld id="{00000000-1234-1234-1234-123412341234}" type="slidenum">
               <a:rPr lang="en" smtClean="0"/>
-              <a:t>16</a:t>
+              <a:t>15</a:t>
             </a:fld>
             <a:endParaRPr lang="en"/>
           </a:p>
@@ -8691,10 +8066,13 @@
   <p:clrMapOvr>
     <a:masterClrMapping/>
   </p:clrMapOvr>
+  <p:transition spd="slow">
+    <p:push dir="u"/>
+  </p:transition>
 </p:sld>
 </file>
 
-<file path=ppt/slides/slide17.xml><?xml version="1.0" encoding="utf-8"?>
+<file path=ppt/slides/slide16.xml><?xml version="1.0" encoding="utf-8"?>
 <p:sld xmlns:a="http://schemas.openxmlformats.org/drawingml/2006/main" xmlns:r="http://schemas.openxmlformats.org/officeDocument/2006/relationships" xmlns:p="http://schemas.openxmlformats.org/presentationml/2006/main">
   <p:cSld>
     <p:spTree>
@@ -8743,7 +8121,7 @@
             </a:pPr>
             <a:fld id="{00000000-1234-1234-1234-123412341234}" type="slidenum">
               <a:rPr lang="en" smtClean="0"/>
-              <a:t>17</a:t>
+              <a:t>16</a:t>
             </a:fld>
             <a:endParaRPr lang="en"/>
           </a:p>
@@ -8789,10 +8167,13 @@
   <p:clrMapOvr>
     <a:masterClrMapping/>
   </p:clrMapOvr>
+  <p:transition spd="slow">
+    <p:push dir="u"/>
+  </p:transition>
 </p:sld>
 </file>
 
-<file path=ppt/slides/slide18.xml><?xml version="1.0" encoding="utf-8"?>
+<file path=ppt/slides/slide17.xml><?xml version="1.0" encoding="utf-8"?>
 <p:sld xmlns:a="http://schemas.openxmlformats.org/drawingml/2006/main" xmlns:r="http://schemas.openxmlformats.org/officeDocument/2006/relationships" xmlns:p="http://schemas.openxmlformats.org/presentationml/2006/main">
   <p:cSld>
     <p:spTree>
@@ -8841,7 +8222,7 @@
             </a:pPr>
             <a:fld id="{00000000-1234-1234-1234-123412341234}" type="slidenum">
               <a:rPr lang="en" smtClean="0"/>
-              <a:t>18</a:t>
+              <a:t>17</a:t>
             </a:fld>
             <a:endParaRPr lang="en"/>
           </a:p>
@@ -8887,10 +8268,13 @@
   <p:clrMapOvr>
     <a:masterClrMapping/>
   </p:clrMapOvr>
+  <p:transition spd="slow">
+    <p:push dir="u"/>
+  </p:transition>
 </p:sld>
 </file>
 
-<file path=ppt/slides/slide19.xml><?xml version="1.0" encoding="utf-8"?>
+<file path=ppt/slides/slide18.xml><?xml version="1.0" encoding="utf-8"?>
 <p:sld xmlns:a="http://schemas.openxmlformats.org/drawingml/2006/main" xmlns:r="http://schemas.openxmlformats.org/officeDocument/2006/relationships" xmlns:p="http://schemas.openxmlformats.org/presentationml/2006/main">
   <p:cSld>
     <p:spTree>
@@ -8939,7 +8323,7 @@
             </a:pPr>
             <a:fld id="{00000000-1234-1234-1234-123412341234}" type="slidenum">
               <a:rPr lang="en" smtClean="0"/>
-              <a:t>19</a:t>
+              <a:t>18</a:t>
             </a:fld>
             <a:endParaRPr lang="en"/>
           </a:p>
@@ -8985,6 +8369,110 @@
   <p:clrMapOvr>
     <a:masterClrMapping/>
   </p:clrMapOvr>
+  <p:transition spd="slow">
+    <p:push dir="u"/>
+  </p:transition>
+</p:sld>
+</file>
+
+<file path=ppt/slides/slide19.xml><?xml version="1.0" encoding="utf-8"?>
+<p:sld xmlns:a="http://schemas.openxmlformats.org/drawingml/2006/main" xmlns:r="http://schemas.openxmlformats.org/officeDocument/2006/relationships" xmlns:p="http://schemas.openxmlformats.org/presentationml/2006/main">
+  <p:cSld>
+    <p:spTree>
+      <p:nvGrpSpPr>
+        <p:cNvPr id="1" name=""/>
+        <p:cNvGrpSpPr/>
+        <p:nvPr/>
+      </p:nvGrpSpPr>
+      <p:grpSpPr>
+        <a:xfrm>
+          <a:off x="0" y="0"/>
+          <a:ext cx="0" cy="0"/>
+          <a:chOff x="0" y="0"/>
+          <a:chExt cx="0" cy="0"/>
+        </a:xfrm>
+      </p:grpSpPr>
+      <p:sp>
+        <p:nvSpPr>
+          <p:cNvPr id="2" name="Slide Number Placeholder 1">
+            <a:extLst>
+              <a:ext uri="{FF2B5EF4-FFF2-40B4-BE49-F238E27FC236}">
+                <a16:creationId xmlns:a16="http://schemas.microsoft.com/office/drawing/2014/main" id="{FB7A06BB-598D-47F0-B0B8-F71C23FB527A}"/>
+              </a:ext>
+            </a:extLst>
+          </p:cNvPr>
+          <p:cNvSpPr>
+            <a:spLocks noGrp="1"/>
+          </p:cNvSpPr>
+          <p:nvPr>
+            <p:ph type="sldNum" idx="12"/>
+          </p:nvPr>
+        </p:nvSpPr>
+        <p:spPr/>
+        <p:txBody>
+          <a:bodyPr/>
+          <a:lstStyle/>
+          <a:p>
+            <a:pPr marL="0" lvl="0" indent="0" algn="r" rtl="0">
+              <a:spcBef>
+                <a:spcPts val="0"/>
+              </a:spcBef>
+              <a:spcAft>
+                <a:spcPts val="0"/>
+              </a:spcAft>
+              <a:buNone/>
+            </a:pPr>
+            <a:fld id="{00000000-1234-1234-1234-123412341234}" type="slidenum">
+              <a:rPr lang="en" smtClean="0"/>
+              <a:t>19</a:t>
+            </a:fld>
+            <a:endParaRPr lang="en"/>
+          </a:p>
+        </p:txBody>
+      </p:sp>
+      <p:pic>
+        <p:nvPicPr>
+          <p:cNvPr id="4" name="Picture 3">
+            <a:extLst>
+              <a:ext uri="{FF2B5EF4-FFF2-40B4-BE49-F238E27FC236}">
+                <a16:creationId xmlns:a16="http://schemas.microsoft.com/office/drawing/2014/main" id="{2737406A-6A05-4023-9182-1D319691EA0C}"/>
+              </a:ext>
+            </a:extLst>
+          </p:cNvPr>
+          <p:cNvPicPr>
+            <a:picLocks noChangeAspect="1"/>
+          </p:cNvPicPr>
+          <p:nvPr/>
+        </p:nvPicPr>
+        <p:blipFill>
+          <a:blip r:embed="rId2"/>
+          <a:stretch>
+            <a:fillRect/>
+          </a:stretch>
+        </p:blipFill>
+        <p:spPr>
+          <a:xfrm>
+            <a:off x="0" y="0"/>
+            <a:ext cx="9144000" cy="5143500"/>
+          </a:xfrm>
+          <a:prstGeom prst="rect">
+            <a:avLst/>
+          </a:prstGeom>
+        </p:spPr>
+      </p:pic>
+    </p:spTree>
+    <p:extLst>
+      <p:ext uri="{BB962C8B-B14F-4D97-AF65-F5344CB8AC3E}">
+        <p14:creationId xmlns:p14="http://schemas.microsoft.com/office/powerpoint/2010/main" val="3308212399"/>
+      </p:ext>
+    </p:extLst>
+  </p:cSld>
+  <p:clrMapOvr>
+    <a:masterClrMapping/>
+  </p:clrMapOvr>
+  <p:transition spd="slow">
+    <p:push dir="u"/>
+  </p:transition>
 </p:sld>
 </file>
 
@@ -9251,225 +8739,13 @@
   <p:clrMapOvr>
     <a:masterClrMapping/>
   </p:clrMapOvr>
-</p:sld>
-</file>
-
-<file path=ppt/slides/slide20.xml><?xml version="1.0" encoding="utf-8"?>
-<p:sld xmlns:a="http://schemas.openxmlformats.org/drawingml/2006/main" xmlns:r="http://schemas.openxmlformats.org/officeDocument/2006/relationships" xmlns:p="http://schemas.openxmlformats.org/presentationml/2006/main">
-  <p:cSld>
-    <p:spTree>
-      <p:nvGrpSpPr>
-        <p:cNvPr id="1" name=""/>
-        <p:cNvGrpSpPr/>
-        <p:nvPr/>
-      </p:nvGrpSpPr>
-      <p:grpSpPr>
-        <a:xfrm>
-          <a:off x="0" y="0"/>
-          <a:ext cx="0" cy="0"/>
-          <a:chOff x="0" y="0"/>
-          <a:chExt cx="0" cy="0"/>
-        </a:xfrm>
-      </p:grpSpPr>
-      <p:sp>
-        <p:nvSpPr>
-          <p:cNvPr id="2" name="Slide Number Placeholder 1">
-            <a:extLst>
-              <a:ext uri="{FF2B5EF4-FFF2-40B4-BE49-F238E27FC236}">
-                <a16:creationId xmlns:a16="http://schemas.microsoft.com/office/drawing/2014/main" id="{FB7A06BB-598D-47F0-B0B8-F71C23FB527A}"/>
-              </a:ext>
-            </a:extLst>
-          </p:cNvPr>
-          <p:cNvSpPr>
-            <a:spLocks noGrp="1"/>
-          </p:cNvSpPr>
-          <p:nvPr>
-            <p:ph type="sldNum" idx="12"/>
-          </p:nvPr>
-        </p:nvSpPr>
-        <p:spPr/>
-        <p:txBody>
-          <a:bodyPr/>
-          <a:lstStyle/>
-          <a:p>
-            <a:pPr marL="0" lvl="0" indent="0" algn="r" rtl="0">
-              <a:spcBef>
-                <a:spcPts val="0"/>
-              </a:spcBef>
-              <a:spcAft>
-                <a:spcPts val="0"/>
-              </a:spcAft>
-              <a:buNone/>
-            </a:pPr>
-            <a:fld id="{00000000-1234-1234-1234-123412341234}" type="slidenum">
-              <a:rPr lang="en" smtClean="0"/>
-              <a:t>20</a:t>
-            </a:fld>
-            <a:endParaRPr lang="en"/>
-          </a:p>
-        </p:txBody>
-      </p:sp>
-      <p:pic>
-        <p:nvPicPr>
-          <p:cNvPr id="4" name="Picture 3">
-            <a:extLst>
-              <a:ext uri="{FF2B5EF4-FFF2-40B4-BE49-F238E27FC236}">
-                <a16:creationId xmlns:a16="http://schemas.microsoft.com/office/drawing/2014/main" id="{2737406A-6A05-4023-9182-1D319691EA0C}"/>
-              </a:ext>
-            </a:extLst>
-          </p:cNvPr>
-          <p:cNvPicPr>
-            <a:picLocks noChangeAspect="1"/>
-          </p:cNvPicPr>
-          <p:nvPr/>
-        </p:nvPicPr>
-        <p:blipFill>
-          <a:blip r:embed="rId2"/>
-          <a:stretch>
-            <a:fillRect/>
-          </a:stretch>
-        </p:blipFill>
-        <p:spPr>
-          <a:xfrm>
-            <a:off x="0" y="0"/>
-            <a:ext cx="9144000" cy="5143500"/>
-          </a:xfrm>
-          <a:prstGeom prst="rect">
-            <a:avLst/>
-          </a:prstGeom>
-        </p:spPr>
-      </p:pic>
-    </p:spTree>
-    <p:extLst>
-      <p:ext uri="{BB962C8B-B14F-4D97-AF65-F5344CB8AC3E}">
-        <p14:creationId xmlns:p14="http://schemas.microsoft.com/office/powerpoint/2010/main" val="3308212399"/>
-      </p:ext>
-    </p:extLst>
-  </p:cSld>
-  <p:clrMapOvr>
-    <a:masterClrMapping/>
-  </p:clrMapOvr>
+  <p:transition spd="slow">
+    <p:push dir="u"/>
+  </p:transition>
 </p:sld>
 </file>
 
 <file path=ppt/slides/slide3.xml><?xml version="1.0" encoding="utf-8"?>
-<p:sld xmlns:a="http://schemas.openxmlformats.org/drawingml/2006/main" xmlns:r="http://schemas.openxmlformats.org/officeDocument/2006/relationships" xmlns:p="http://schemas.openxmlformats.org/presentationml/2006/main">
-  <p:cSld>
-    <p:spTree>
-      <p:nvGrpSpPr>
-        <p:cNvPr id="1" name="Shape 101"/>
-        <p:cNvGrpSpPr/>
-        <p:nvPr/>
-      </p:nvGrpSpPr>
-      <p:grpSpPr>
-        <a:xfrm>
-          <a:off x="0" y="0"/>
-          <a:ext cx="0" cy="0"/>
-          <a:chOff x="0" y="0"/>
-          <a:chExt cx="0" cy="0"/>
-        </a:xfrm>
-      </p:grpSpPr>
-      <p:sp>
-        <p:nvSpPr>
-          <p:cNvPr id="102" name="Google Shape;102;p16"/>
-          <p:cNvSpPr txBox="1">
-            <a:spLocks noGrp="1"/>
-          </p:cNvSpPr>
-          <p:nvPr>
-            <p:ph type="body" idx="1"/>
-          </p:nvPr>
-        </p:nvSpPr>
-        <p:spPr>
-          <a:xfrm>
-            <a:off x="1633225" y="2161800"/>
-            <a:ext cx="6700500" cy="819900"/>
-          </a:xfrm>
-          <a:prstGeom prst="rect">
-            <a:avLst/>
-          </a:prstGeom>
-        </p:spPr>
-        <p:txBody>
-          <a:bodyPr spcFirstLastPara="1" wrap="square" lIns="91425" tIns="91425" rIns="91425" bIns="91425" anchor="ctr" anchorCtr="0">
-            <a:noAutofit/>
-          </a:bodyPr>
-          <a:lstStyle/>
-          <a:p>
-            <a:pPr marL="0" lvl="0" indent="0" algn="l" rtl="0">
-              <a:spcBef>
-                <a:spcPts val="600"/>
-              </a:spcBef>
-              <a:spcAft>
-                <a:spcPts val="0"/>
-              </a:spcAft>
-              <a:buNone/>
-            </a:pPr>
-            <a:r>
-              <a:rPr lang="en">
-                <a:solidFill>
-                  <a:schemeClr val="accent1"/>
-                </a:solidFill>
-              </a:rPr>
-              <a:t>Quotations are commonly printed as a means of inspiration and to invoke philosophical thoughts from the reader.</a:t>
-            </a:r>
-            <a:endParaRPr>
-              <a:solidFill>
-                <a:schemeClr val="accent1"/>
-              </a:solidFill>
-            </a:endParaRPr>
-          </a:p>
-        </p:txBody>
-      </p:sp>
-      <p:sp>
-        <p:nvSpPr>
-          <p:cNvPr id="103" name="Google Shape;103;p16"/>
-          <p:cNvSpPr txBox="1">
-            <a:spLocks noGrp="1"/>
-          </p:cNvSpPr>
-          <p:nvPr>
-            <p:ph type="sldNum" idx="12"/>
-          </p:nvPr>
-        </p:nvSpPr>
-        <p:spPr>
-          <a:xfrm>
-            <a:off x="8523157" y="4752131"/>
-            <a:ext cx="548700" cy="315300"/>
-          </a:xfrm>
-          <a:prstGeom prst="rect">
-            <a:avLst/>
-          </a:prstGeom>
-        </p:spPr>
-        <p:txBody>
-          <a:bodyPr spcFirstLastPara="1" wrap="square" lIns="91425" tIns="91425" rIns="91425" bIns="91425" anchor="t" anchorCtr="0">
-            <a:noAutofit/>
-          </a:bodyPr>
-          <a:lstStyle/>
-          <a:p>
-            <a:pPr marL="0" lvl="0" indent="0" algn="r" rtl="0">
-              <a:spcBef>
-                <a:spcPts val="0"/>
-              </a:spcBef>
-              <a:spcAft>
-                <a:spcPts val="0"/>
-              </a:spcAft>
-              <a:buNone/>
-            </a:pPr>
-            <a:fld id="{00000000-1234-1234-1234-123412341234}" type="slidenum">
-              <a:rPr lang="en"/>
-              <a:t>3</a:t>
-            </a:fld>
-            <a:endParaRPr/>
-          </a:p>
-        </p:txBody>
-      </p:sp>
-    </p:spTree>
-  </p:cSld>
-  <p:clrMapOvr>
-    <a:masterClrMapping/>
-  </p:clrMapOvr>
-</p:sld>
-</file>
-
-<file path=ppt/slides/slide4.xml><?xml version="1.0" encoding="utf-8"?>
 <p:sld xmlns:a="http://schemas.openxmlformats.org/drawingml/2006/main" xmlns:r="http://schemas.openxmlformats.org/officeDocument/2006/relationships" xmlns:p="http://schemas.openxmlformats.org/presentationml/2006/main">
   <p:cSld>
     <p:spTree>
@@ -9572,7 +8848,7 @@
             </a:pPr>
             <a:fld id="{00000000-1234-1234-1234-123412341234}" type="slidenum">
               <a:rPr lang="en"/>
-              <a:t>4</a:t>
+              <a:t>3</a:t>
             </a:fld>
             <a:endParaRPr/>
           </a:p>
@@ -9591,7 +8867,7 @@
           <p:nvPr>
             <p:extLst>
               <p:ext uri="{D42A27DB-BD31-4B8C-83A1-F6EECF244321}">
-                <p14:modId xmlns:p14="http://schemas.microsoft.com/office/powerpoint/2010/main" val="912753690"/>
+                <p14:modId xmlns:p14="http://schemas.microsoft.com/office/powerpoint/2010/main" val="4005766271"/>
               </p:ext>
             </p:extLst>
           </p:nvPr>
@@ -9611,10 +8887,101 @@
   <p:clrMapOvr>
     <a:masterClrMapping/>
   </p:clrMapOvr>
+  <p:transition spd="slow">
+    <p:push dir="u"/>
+  </p:transition>
+  <p:timing>
+    <p:tnLst>
+      <p:par>
+        <p:cTn id="1" dur="indefinite" restart="never" nodeType="tmRoot">
+          <p:childTnLst>
+            <p:seq concurrent="1" nextAc="seek">
+              <p:cTn id="2" dur="indefinite" nodeType="mainSeq">
+                <p:childTnLst>
+                  <p:par>
+                    <p:cTn id="3" fill="hold">
+                      <p:stCondLst>
+                        <p:cond delay="indefinite"/>
+                      </p:stCondLst>
+                      <p:childTnLst>
+                        <p:par>
+                          <p:cTn id="4" fill="hold">
+                            <p:stCondLst>
+                              <p:cond delay="0"/>
+                            </p:stCondLst>
+                            <p:childTnLst>
+                              <p:par>
+                                <p:cTn id="5" presetID="16" presetClass="entr" presetSubtype="21" fill="hold" grpId="0" nodeType="clickEffect">
+                                  <p:stCondLst>
+                                    <p:cond delay="0"/>
+                                  </p:stCondLst>
+                                  <p:childTnLst>
+                                    <p:set>
+                                      <p:cBhvr>
+                                        <p:cTn id="6" dur="1" fill="hold">
+                                          <p:stCondLst>
+                                            <p:cond delay="0"/>
+                                          </p:stCondLst>
+                                        </p:cTn>
+                                        <p:tgtEl>
+                                          <p:spTgt spid="2"/>
+                                        </p:tgtEl>
+                                        <p:attrNameLst>
+                                          <p:attrName>style.visibility</p:attrName>
+                                        </p:attrNameLst>
+                                      </p:cBhvr>
+                                      <p:to>
+                                        <p:strVal val="visible"/>
+                                      </p:to>
+                                    </p:set>
+                                    <p:animEffect transition="in" filter="barn(inVertical)">
+                                      <p:cBhvr>
+                                        <p:cTn id="7" dur="500"/>
+                                        <p:tgtEl>
+                                          <p:spTgt spid="2"/>
+                                        </p:tgtEl>
+                                      </p:cBhvr>
+                                    </p:animEffect>
+                                  </p:childTnLst>
+                                </p:cTn>
+                              </p:par>
+                            </p:childTnLst>
+                          </p:cTn>
+                        </p:par>
+                      </p:childTnLst>
+                    </p:cTn>
+                  </p:par>
+                </p:childTnLst>
+              </p:cTn>
+              <p:prevCondLst>
+                <p:cond evt="onPrev" delay="0">
+                  <p:tgtEl>
+                    <p:sldTgt/>
+                  </p:tgtEl>
+                </p:cond>
+              </p:prevCondLst>
+              <p:nextCondLst>
+                <p:cond evt="onNext" delay="0">
+                  <p:tgtEl>
+                    <p:sldTgt/>
+                  </p:tgtEl>
+                </p:cond>
+              </p:nextCondLst>
+            </p:seq>
+          </p:childTnLst>
+        </p:cTn>
+      </p:par>
+    </p:tnLst>
+    <p:bldLst>
+      <p:bldGraphic spid="2" grpId="0">
+        <p:bldAsOne/>
+      </p:bldGraphic>
+    </p:bldLst>
+  </p:timing>
 </p:sld>
 </file>
 
-<file path=ppt/slides/slide5.xml><?xml version="1.0" encoding="utf-8"?>
+<file path=ppt/slides/slide4.xml><?xml version="1.0" encoding="utf-8"?>
 <p:sld xmlns:a="http://schemas.openxmlformats.org/drawingml/2006/main" xmlns:r="http://schemas.openxmlformats.org/officeDocument/2006/relationships" xmlns:p="http://schemas.openxmlformats.org/presentationml/2006/main">
   <p:cSld>
     <p:spTree>
@@ -10406,7 +9773,7 @@
             </a:pPr>
             <a:fld id="{00000000-1234-1234-1234-123412341234}" type="slidenum">
               <a:rPr lang="en"/>
-              <a:t>5</a:t>
+              <a:t>4</a:t>
             </a:fld>
             <a:endParaRPr/>
           </a:p>
@@ -10417,10 +9784,13 @@
   <p:clrMapOvr>
     <a:masterClrMapping/>
   </p:clrMapOvr>
+  <p:transition spd="slow">
+    <p:push dir="u"/>
+  </p:transition>
 </p:sld>
 </file>
 
-<file path=ppt/slides/slide6.xml><?xml version="1.0" encoding="utf-8"?>
+<file path=ppt/slides/slide5.xml><?xml version="1.0" encoding="utf-8"?>
 <p:sld xmlns:a="http://schemas.openxmlformats.org/drawingml/2006/main" xmlns:r="http://schemas.openxmlformats.org/officeDocument/2006/relationships" xmlns:p="http://schemas.openxmlformats.org/presentationml/2006/main">
   <p:cSld>
     <p:spTree>
@@ -11197,7 +10567,7 @@
             </a:pPr>
             <a:fld id="{00000000-1234-1234-1234-123412341234}" type="slidenum">
               <a:rPr lang="en"/>
-              <a:t>6</a:t>
+              <a:t>5</a:t>
             </a:fld>
             <a:endParaRPr/>
           </a:p>
@@ -11213,10 +10583,13 @@
   <p:clrMapOvr>
     <a:masterClrMapping/>
   </p:clrMapOvr>
+  <p:transition spd="slow">
+    <p:push dir="u"/>
+  </p:transition>
 </p:sld>
 </file>
 
-<file path=ppt/slides/slide7.xml><?xml version="1.0" encoding="utf-8"?>
+<file path=ppt/slides/slide6.xml><?xml version="1.0" encoding="utf-8"?>
 <p:sld xmlns:a="http://schemas.openxmlformats.org/drawingml/2006/main" xmlns:r="http://schemas.openxmlformats.org/officeDocument/2006/relationships" xmlns:p="http://schemas.openxmlformats.org/presentationml/2006/main">
   <p:cSld>
     <p:spTree>
@@ -12024,7 +11397,7 @@
             </a:pPr>
             <a:fld id="{00000000-1234-1234-1234-123412341234}" type="slidenum">
               <a:rPr lang="en"/>
-              <a:t>7</a:t>
+              <a:t>6</a:t>
             </a:fld>
             <a:endParaRPr/>
           </a:p>
@@ -12040,10 +11413,13 @@
   <p:clrMapOvr>
     <a:masterClrMapping/>
   </p:clrMapOvr>
+  <p:transition spd="slow">
+    <p:push dir="u"/>
+  </p:transition>
 </p:sld>
 </file>
 
-<file path=ppt/slides/slide8.xml><?xml version="1.0" encoding="utf-8"?>
+<file path=ppt/slides/slide7.xml><?xml version="1.0" encoding="utf-8"?>
 <p:sld xmlns:a="http://schemas.openxmlformats.org/drawingml/2006/main" xmlns:r="http://schemas.openxmlformats.org/officeDocument/2006/relationships" xmlns:p="http://schemas.openxmlformats.org/presentationml/2006/main">
   <p:cSld>
     <p:spTree>
@@ -12092,7 +11468,7 @@
             </a:pPr>
             <a:fld id="{00000000-1234-1234-1234-123412341234}" type="slidenum">
               <a:rPr lang="en" smtClean="0"/>
-              <a:t>8</a:t>
+              <a:t>7</a:t>
             </a:fld>
             <a:endParaRPr lang="en"/>
           </a:p>
@@ -12138,10 +11514,13 @@
   <p:clrMapOvr>
     <a:masterClrMapping/>
   </p:clrMapOvr>
+  <p:transition spd="slow">
+    <p:push dir="u"/>
+  </p:transition>
 </p:sld>
 </file>
 
-<file path=ppt/slides/slide9.xml><?xml version="1.0" encoding="utf-8"?>
+<file path=ppt/slides/slide8.xml><?xml version="1.0" encoding="utf-8"?>
 <p:sld xmlns:a="http://schemas.openxmlformats.org/drawingml/2006/main" xmlns:r="http://schemas.openxmlformats.org/officeDocument/2006/relationships" xmlns:p="http://schemas.openxmlformats.org/presentationml/2006/main">
   <p:cSld>
     <p:spTree>
@@ -12190,7 +11569,7 @@
             </a:pPr>
             <a:fld id="{00000000-1234-1234-1234-123412341234}" type="slidenum">
               <a:rPr lang="en" smtClean="0"/>
-              <a:t>9</a:t>
+              <a:t>8</a:t>
             </a:fld>
             <a:endParaRPr lang="en"/>
           </a:p>
@@ -12236,6 +11615,110 @@
   <p:clrMapOvr>
     <a:masterClrMapping/>
   </p:clrMapOvr>
+  <p:transition spd="slow">
+    <p:push dir="u"/>
+  </p:transition>
+</p:sld>
+</file>
+
+<file path=ppt/slides/slide9.xml><?xml version="1.0" encoding="utf-8"?>
+<p:sld xmlns:a="http://schemas.openxmlformats.org/drawingml/2006/main" xmlns:r="http://schemas.openxmlformats.org/officeDocument/2006/relationships" xmlns:p="http://schemas.openxmlformats.org/presentationml/2006/main">
+  <p:cSld>
+    <p:spTree>
+      <p:nvGrpSpPr>
+        <p:cNvPr id="1" name=""/>
+        <p:cNvGrpSpPr/>
+        <p:nvPr/>
+      </p:nvGrpSpPr>
+      <p:grpSpPr>
+        <a:xfrm>
+          <a:off x="0" y="0"/>
+          <a:ext cx="0" cy="0"/>
+          <a:chOff x="0" y="0"/>
+          <a:chExt cx="0" cy="0"/>
+        </a:xfrm>
+      </p:grpSpPr>
+      <p:sp>
+        <p:nvSpPr>
+          <p:cNvPr id="2" name="Slide Number Placeholder 1">
+            <a:extLst>
+              <a:ext uri="{FF2B5EF4-FFF2-40B4-BE49-F238E27FC236}">
+                <a16:creationId xmlns:a16="http://schemas.microsoft.com/office/drawing/2014/main" id="{A6FB1E34-486E-49D9-A431-5248489C90A9}"/>
+              </a:ext>
+            </a:extLst>
+          </p:cNvPr>
+          <p:cNvSpPr>
+            <a:spLocks noGrp="1"/>
+          </p:cNvSpPr>
+          <p:nvPr>
+            <p:ph type="sldNum" idx="12"/>
+          </p:nvPr>
+        </p:nvSpPr>
+        <p:spPr/>
+        <p:txBody>
+          <a:bodyPr/>
+          <a:lstStyle/>
+          <a:p>
+            <a:pPr marL="0" lvl="0" indent="0" algn="r" rtl="0">
+              <a:spcBef>
+                <a:spcPts val="0"/>
+              </a:spcBef>
+              <a:spcAft>
+                <a:spcPts val="0"/>
+              </a:spcAft>
+              <a:buNone/>
+            </a:pPr>
+            <a:fld id="{00000000-1234-1234-1234-123412341234}" type="slidenum">
+              <a:rPr lang="en" smtClean="0"/>
+              <a:t>9</a:t>
+            </a:fld>
+            <a:endParaRPr lang="en"/>
+          </a:p>
+        </p:txBody>
+      </p:sp>
+      <p:pic>
+        <p:nvPicPr>
+          <p:cNvPr id="4" name="Picture 3">
+            <a:extLst>
+              <a:ext uri="{FF2B5EF4-FFF2-40B4-BE49-F238E27FC236}">
+                <a16:creationId xmlns:a16="http://schemas.microsoft.com/office/drawing/2014/main" id="{204E3ECF-2071-49D8-BD81-BC54AB8A76F1}"/>
+              </a:ext>
+            </a:extLst>
+          </p:cNvPr>
+          <p:cNvPicPr>
+            <a:picLocks noChangeAspect="1"/>
+          </p:cNvPicPr>
+          <p:nvPr/>
+        </p:nvPicPr>
+        <p:blipFill>
+          <a:blip r:embed="rId2"/>
+          <a:stretch>
+            <a:fillRect/>
+          </a:stretch>
+        </p:blipFill>
+        <p:spPr>
+          <a:xfrm>
+            <a:off x="0" y="0"/>
+            <a:ext cx="9144000" cy="5143500"/>
+          </a:xfrm>
+          <a:prstGeom prst="rect">
+            <a:avLst/>
+          </a:prstGeom>
+        </p:spPr>
+      </p:pic>
+    </p:spTree>
+    <p:extLst>
+      <p:ext uri="{BB962C8B-B14F-4D97-AF65-F5344CB8AC3E}">
+        <p14:creationId xmlns:p14="http://schemas.microsoft.com/office/powerpoint/2010/main" val="3606491644"/>
+      </p:ext>
+    </p:extLst>
+  </p:cSld>
+  <p:clrMapOvr>
+    <a:masterClrMapping/>
+  </p:clrMapOvr>
+  <p:transition spd="slow">
+    <p:push dir="u"/>
+  </p:transition>
 </p:sld>
 </file>
 
